--- a/Игра Google Динозаврик.pptx
+++ b/Игра Google Динозаврик.pptx
@@ -108,6 +108,11 @@
       </a:defRPr>
     </a:lvl9pPr>
   </p:defaultTextStyle>
+  <p:extLst>
+    <p:ext uri="{EFAFB233-063F-42B5-8137-9DF3F51BA10A}">
+      <p15:sldGuideLst xmlns:p15="http://schemas.microsoft.com/office/powerpoint/2012/main"/>
+    </p:ext>
+  </p:extLst>
 </p:presentation>
 </file>
 
@@ -258,7 +263,7 @@
           <a:p>
             <a:fld id="{535411DF-54BF-496E-8FD8-3E0F6E943551}" type="datetimeFigureOut">
               <a:rPr lang="ru-RU" smtClean="0"/>
-              <a:t>11.01.2022</a:t>
+              <a:t>25.01.2022</a:t>
             </a:fld>
             <a:endParaRPr lang="ru-RU"/>
           </a:p>
@@ -456,7 +461,7 @@
           <a:p>
             <a:fld id="{535411DF-54BF-496E-8FD8-3E0F6E943551}" type="datetimeFigureOut">
               <a:rPr lang="ru-RU" smtClean="0"/>
-              <a:t>11.01.2022</a:t>
+              <a:t>25.01.2022</a:t>
             </a:fld>
             <a:endParaRPr lang="ru-RU"/>
           </a:p>
@@ -664,7 +669,7 @@
           <a:p>
             <a:fld id="{535411DF-54BF-496E-8FD8-3E0F6E943551}" type="datetimeFigureOut">
               <a:rPr lang="ru-RU" smtClean="0"/>
-              <a:t>11.01.2022</a:t>
+              <a:t>25.01.2022</a:t>
             </a:fld>
             <a:endParaRPr lang="ru-RU"/>
           </a:p>
@@ -862,7 +867,7 @@
           <a:p>
             <a:fld id="{535411DF-54BF-496E-8FD8-3E0F6E943551}" type="datetimeFigureOut">
               <a:rPr lang="ru-RU" smtClean="0"/>
-              <a:t>11.01.2022</a:t>
+              <a:t>25.01.2022</a:t>
             </a:fld>
             <a:endParaRPr lang="ru-RU"/>
           </a:p>
@@ -1137,7 +1142,7 @@
           <a:p>
             <a:fld id="{535411DF-54BF-496E-8FD8-3E0F6E943551}" type="datetimeFigureOut">
               <a:rPr lang="ru-RU" smtClean="0"/>
-              <a:t>11.01.2022</a:t>
+              <a:t>25.01.2022</a:t>
             </a:fld>
             <a:endParaRPr lang="ru-RU"/>
           </a:p>
@@ -1402,7 +1407,7 @@
           <a:p>
             <a:fld id="{535411DF-54BF-496E-8FD8-3E0F6E943551}" type="datetimeFigureOut">
               <a:rPr lang="ru-RU" smtClean="0"/>
-              <a:t>11.01.2022</a:t>
+              <a:t>25.01.2022</a:t>
             </a:fld>
             <a:endParaRPr lang="ru-RU"/>
           </a:p>
@@ -1814,7 +1819,7 @@
           <a:p>
             <a:fld id="{535411DF-54BF-496E-8FD8-3E0F6E943551}" type="datetimeFigureOut">
               <a:rPr lang="ru-RU" smtClean="0"/>
-              <a:t>11.01.2022</a:t>
+              <a:t>25.01.2022</a:t>
             </a:fld>
             <a:endParaRPr lang="ru-RU"/>
           </a:p>
@@ -1955,7 +1960,7 @@
           <a:p>
             <a:fld id="{535411DF-54BF-496E-8FD8-3E0F6E943551}" type="datetimeFigureOut">
               <a:rPr lang="ru-RU" smtClean="0"/>
-              <a:t>11.01.2022</a:t>
+              <a:t>25.01.2022</a:t>
             </a:fld>
             <a:endParaRPr lang="ru-RU"/>
           </a:p>
@@ -2068,7 +2073,7 @@
           <a:p>
             <a:fld id="{535411DF-54BF-496E-8FD8-3E0F6E943551}" type="datetimeFigureOut">
               <a:rPr lang="ru-RU" smtClean="0"/>
-              <a:t>11.01.2022</a:t>
+              <a:t>25.01.2022</a:t>
             </a:fld>
             <a:endParaRPr lang="ru-RU"/>
           </a:p>
@@ -2379,7 +2384,7 @@
           <a:p>
             <a:fld id="{535411DF-54BF-496E-8FD8-3E0F6E943551}" type="datetimeFigureOut">
               <a:rPr lang="ru-RU" smtClean="0"/>
-              <a:t>11.01.2022</a:t>
+              <a:t>25.01.2022</a:t>
             </a:fld>
             <a:endParaRPr lang="ru-RU"/>
           </a:p>
@@ -2667,7 +2672,7 @@
           <a:p>
             <a:fld id="{535411DF-54BF-496E-8FD8-3E0F6E943551}" type="datetimeFigureOut">
               <a:rPr lang="ru-RU" smtClean="0"/>
-              <a:t>11.01.2022</a:t>
+              <a:t>25.01.2022</a:t>
             </a:fld>
             <a:endParaRPr lang="ru-RU"/>
           </a:p>
@@ -2908,7 +2913,7 @@
           <a:p>
             <a:fld id="{535411DF-54BF-496E-8FD8-3E0F6E943551}" type="datetimeFigureOut">
               <a:rPr lang="ru-RU" smtClean="0"/>
-              <a:t>11.01.2022</a:t>
+              <a:t>25.01.2022</a:t>
             </a:fld>
             <a:endParaRPr lang="ru-RU"/>
           </a:p>
@@ -3790,7 +3795,7 @@
         </p:blipFill>
         <p:spPr>
           <a:xfrm>
-            <a:off x="1456796" y="2234141"/>
+            <a:off x="2501464" y="2234141"/>
             <a:ext cx="1932859" cy="2389717"/>
           </a:xfrm>
           <a:prstGeom prst="rect">
@@ -3800,10 +3805,10 @@
       </p:pic>
       <p:pic>
         <p:nvPicPr>
-          <p:cNvPr id="2050" name="Picture 2" descr="https://pm1.narvii.com/7415/a0fa1bd6212a92fcf9831465428e1fef0f49b6b4r1-1024-576v2_hq.jpg">
-            <a:extLst>
-              <a:ext uri="{FF2B5EF4-FFF2-40B4-BE49-F238E27FC236}">
-                <a16:creationId xmlns:a16="http://schemas.microsoft.com/office/drawing/2014/main" id="{A6228B49-85FE-4145-94AD-BC1B2A7D501C}"/>
+          <p:cNvPr id="2052" name="Picture 4" descr="https://nelson.coderdojo.nz/wp-content/uploads/Chromium_T-Rex-obstacle-large-sprite.png">
+            <a:extLst>
+              <a:ext uri="{FF2B5EF4-FFF2-40B4-BE49-F238E27FC236}">
+                <a16:creationId xmlns:a16="http://schemas.microsoft.com/office/drawing/2014/main" id="{D50CA558-202A-46ED-8B72-10AB3CB43FA3}"/>
               </a:ext>
             </a:extLst>
           </p:cNvPr>
@@ -3827,54 +3832,7 @@
         </p:blipFill>
         <p:spPr bwMode="auto">
           <a:xfrm>
-            <a:off x="8221586" y="2027767"/>
-            <a:ext cx="4248386" cy="2389717"/>
-          </a:xfrm>
-          <a:prstGeom prst="rect">
-            <a:avLst/>
-          </a:prstGeom>
-          <a:noFill/>
-          <a:extLst>
-            <a:ext uri="{909E8E84-426E-40DD-AFC4-6F175D3DCCD1}">
-              <a14:hiddenFill xmlns:a14="http://schemas.microsoft.com/office/drawing/2010/main">
-                <a:solidFill>
-                  <a:srgbClr val="FFFFFF"/>
-                </a:solidFill>
-              </a14:hiddenFill>
-            </a:ext>
-          </a:extLst>
-        </p:spPr>
-      </p:pic>
-      <p:pic>
-        <p:nvPicPr>
-          <p:cNvPr id="2052" name="Picture 4" descr="https://nelson.coderdojo.nz/wp-content/uploads/Chromium_T-Rex-obstacle-large-sprite.png">
-            <a:extLst>
-              <a:ext uri="{FF2B5EF4-FFF2-40B4-BE49-F238E27FC236}">
-                <a16:creationId xmlns:a16="http://schemas.microsoft.com/office/drawing/2014/main" id="{D50CA558-202A-46ED-8B72-10AB3CB43FA3}"/>
-              </a:ext>
-            </a:extLst>
-          </p:cNvPr>
-          <p:cNvPicPr>
-            <a:picLocks noChangeAspect="1" noChangeArrowheads="1"/>
-          </p:cNvPicPr>
-          <p:nvPr/>
-        </p:nvPicPr>
-        <p:blipFill>
-          <a:blip r:embed="rId4">
-            <a:extLst>
-              <a:ext uri="{28A0092B-C50C-407E-A947-70E740481C1C}">
-                <a14:useLocalDpi xmlns:a14="http://schemas.microsoft.com/office/drawing/2010/main" val="0"/>
-              </a:ext>
-            </a:extLst>
-          </a:blip>
-          <a:srcRect/>
-          <a:stretch>
-            <a:fillRect/>
-          </a:stretch>
-        </p:blipFill>
-        <p:spPr bwMode="auto">
-          <a:xfrm>
-            <a:off x="3909934" y="3098800"/>
+            <a:off x="5781067" y="2988733"/>
             <a:ext cx="3956052" cy="1318684"/>
           </a:xfrm>
           <a:prstGeom prst="rect">
